--- a/Showcase.pptx
+++ b/Showcase.pptx
@@ -4,6 +4,9 @@
   <p:sldMasterIdLst>
     <p:sldMasterId id="2147483660" r:id="rId1"/>
   </p:sldMasterIdLst>
+  <p:notesMasterIdLst>
+    <p:notesMasterId r:id="rId3"/>
+  </p:notesMasterIdLst>
   <p:sldIdLst>
     <p:sldId id="256" r:id="rId2"/>
   </p:sldIdLst>
@@ -104,7 +107,446 @@
       </a:defRPr>
     </a:lvl9pPr>
   </p:defaultTextStyle>
+  <p:extLst>
+    <p:ext uri="{EFAFB233-063F-42B5-8137-9DF3F51BA10A}">
+      <p15:sldGuideLst xmlns:p15="http://schemas.microsoft.com/office/powerpoint/2012/main"/>
+    </p:ext>
+  </p:extLst>
 </p:presentation>
+</file>
+
+<file path=ppt/notesMasters/notesMaster1.xml><?xml version="1.0" encoding="utf-8"?>
+<p:notesMaster xmlns:a="http://schemas.openxmlformats.org/drawingml/2006/main" xmlns:r="http://schemas.openxmlformats.org/officeDocument/2006/relationships" xmlns:p="http://schemas.openxmlformats.org/presentationml/2006/main">
+  <p:cSld>
+    <p:bg>
+      <p:bgRef idx="1001">
+        <a:schemeClr val="bg1"/>
+      </p:bgRef>
+    </p:bg>
+    <p:spTree>
+      <p:nvGrpSpPr>
+        <p:cNvPr id="1" name=""/>
+        <p:cNvGrpSpPr/>
+        <p:nvPr/>
+      </p:nvGrpSpPr>
+      <p:grpSpPr>
+        <a:xfrm>
+          <a:off x="0" y="0"/>
+          <a:ext cx="0" cy="0"/>
+          <a:chOff x="0" y="0"/>
+          <a:chExt cx="0" cy="0"/>
+        </a:xfrm>
+      </p:grpSpPr>
+      <p:sp>
+        <p:nvSpPr>
+          <p:cNvPr id="2" name="Header Placeholder 1"/>
+          <p:cNvSpPr>
+            <a:spLocks noGrp="1"/>
+          </p:cNvSpPr>
+          <p:nvPr>
+            <p:ph type="hdr" sz="quarter"/>
+          </p:nvPr>
+        </p:nvSpPr>
+        <p:spPr>
+          <a:xfrm>
+            <a:off x="0" y="0"/>
+            <a:ext cx="2971800" cy="458788"/>
+          </a:xfrm>
+          <a:prstGeom prst="rect">
+            <a:avLst/>
+          </a:prstGeom>
+        </p:spPr>
+        <p:txBody>
+          <a:bodyPr vert="horz" lIns="91440" tIns="45720" rIns="91440" bIns="45720" rtlCol="0"/>
+          <a:lstStyle>
+            <a:lvl1pPr algn="l">
+              <a:defRPr sz="1200"/>
+            </a:lvl1pPr>
+          </a:lstStyle>
+          <a:p>
+            <a:endParaRPr lang="en-GB"/>
+          </a:p>
+        </p:txBody>
+      </p:sp>
+      <p:sp>
+        <p:nvSpPr>
+          <p:cNvPr id="3" name="Date Placeholder 2"/>
+          <p:cNvSpPr>
+            <a:spLocks noGrp="1"/>
+          </p:cNvSpPr>
+          <p:nvPr>
+            <p:ph type="dt" idx="1"/>
+          </p:nvPr>
+        </p:nvSpPr>
+        <p:spPr>
+          <a:xfrm>
+            <a:off x="3884613" y="0"/>
+            <a:ext cx="2971800" cy="458788"/>
+          </a:xfrm>
+          <a:prstGeom prst="rect">
+            <a:avLst/>
+          </a:prstGeom>
+        </p:spPr>
+        <p:txBody>
+          <a:bodyPr vert="horz" lIns="91440" tIns="45720" rIns="91440" bIns="45720" rtlCol="0"/>
+          <a:lstStyle>
+            <a:lvl1pPr algn="r">
+              <a:defRPr sz="1200"/>
+            </a:lvl1pPr>
+          </a:lstStyle>
+          <a:p>
+            <a:fld id="{265D2025-5EFD-4A78-8660-FE47C1FB791A}" type="datetimeFigureOut">
+              <a:rPr lang="en-GB" smtClean="0"/>
+              <a:t>19/04/2023</a:t>
+            </a:fld>
+            <a:endParaRPr lang="en-GB"/>
+          </a:p>
+        </p:txBody>
+      </p:sp>
+      <p:sp>
+        <p:nvSpPr>
+          <p:cNvPr id="4" name="Slide Image Placeholder 3"/>
+          <p:cNvSpPr>
+            <a:spLocks noGrp="1" noRot="1" noChangeAspect="1"/>
+          </p:cNvSpPr>
+          <p:nvPr>
+            <p:ph type="sldImg" idx="2"/>
+          </p:nvPr>
+        </p:nvSpPr>
+        <p:spPr>
+          <a:xfrm>
+            <a:off x="685800" y="1143000"/>
+            <a:ext cx="5486400" cy="3086100"/>
+          </a:xfrm>
+          <a:prstGeom prst="rect">
+            <a:avLst/>
+          </a:prstGeom>
+          <a:noFill/>
+          <a:ln w="12700">
+            <a:solidFill>
+              <a:prstClr val="black"/>
+            </a:solidFill>
+          </a:ln>
+        </p:spPr>
+        <p:txBody>
+          <a:bodyPr vert="horz" lIns="91440" tIns="45720" rIns="91440" bIns="45720" rtlCol="0" anchor="ctr"/>
+          <a:lstStyle/>
+          <a:p>
+            <a:endParaRPr lang="en-GB"/>
+          </a:p>
+        </p:txBody>
+      </p:sp>
+      <p:sp>
+        <p:nvSpPr>
+          <p:cNvPr id="5" name="Notes Placeholder 4"/>
+          <p:cNvSpPr>
+            <a:spLocks noGrp="1"/>
+          </p:cNvSpPr>
+          <p:nvPr>
+            <p:ph type="body" sz="quarter" idx="3"/>
+          </p:nvPr>
+        </p:nvSpPr>
+        <p:spPr>
+          <a:xfrm>
+            <a:off x="685800" y="4400550"/>
+            <a:ext cx="5486400" cy="3600450"/>
+          </a:xfrm>
+          <a:prstGeom prst="rect">
+            <a:avLst/>
+          </a:prstGeom>
+        </p:spPr>
+        <p:txBody>
+          <a:bodyPr vert="horz" lIns="91440" tIns="45720" rIns="91440" bIns="45720" rtlCol="0"/>
+          <a:lstStyle/>
+          <a:p>
+            <a:pPr lvl="0"/>
+            <a:r>
+              <a:rPr lang="en-US"/>
+              <a:t>Click to edit Master text styles</a:t>
+            </a:r>
+          </a:p>
+          <a:p>
+            <a:pPr lvl="1"/>
+            <a:r>
+              <a:rPr lang="en-US"/>
+              <a:t>Second level</a:t>
+            </a:r>
+          </a:p>
+          <a:p>
+            <a:pPr lvl="2"/>
+            <a:r>
+              <a:rPr lang="en-US"/>
+              <a:t>Third level</a:t>
+            </a:r>
+          </a:p>
+          <a:p>
+            <a:pPr lvl="3"/>
+            <a:r>
+              <a:rPr lang="en-US"/>
+              <a:t>Fourth level</a:t>
+            </a:r>
+          </a:p>
+          <a:p>
+            <a:pPr lvl="4"/>
+            <a:r>
+              <a:rPr lang="en-US"/>
+              <a:t>Fifth level</a:t>
+            </a:r>
+            <a:endParaRPr lang="en-GB"/>
+          </a:p>
+        </p:txBody>
+      </p:sp>
+      <p:sp>
+        <p:nvSpPr>
+          <p:cNvPr id="6" name="Footer Placeholder 5"/>
+          <p:cNvSpPr>
+            <a:spLocks noGrp="1"/>
+          </p:cNvSpPr>
+          <p:nvPr>
+            <p:ph type="ftr" sz="quarter" idx="4"/>
+          </p:nvPr>
+        </p:nvSpPr>
+        <p:spPr>
+          <a:xfrm>
+            <a:off x="0" y="8685213"/>
+            <a:ext cx="2971800" cy="458787"/>
+          </a:xfrm>
+          <a:prstGeom prst="rect">
+            <a:avLst/>
+          </a:prstGeom>
+        </p:spPr>
+        <p:txBody>
+          <a:bodyPr vert="horz" lIns="91440" tIns="45720" rIns="91440" bIns="45720" rtlCol="0" anchor="b"/>
+          <a:lstStyle>
+            <a:lvl1pPr algn="l">
+              <a:defRPr sz="1200"/>
+            </a:lvl1pPr>
+          </a:lstStyle>
+          <a:p>
+            <a:endParaRPr lang="en-GB"/>
+          </a:p>
+        </p:txBody>
+      </p:sp>
+      <p:sp>
+        <p:nvSpPr>
+          <p:cNvPr id="7" name="Slide Number Placeholder 6"/>
+          <p:cNvSpPr>
+            <a:spLocks noGrp="1"/>
+          </p:cNvSpPr>
+          <p:nvPr>
+            <p:ph type="sldNum" sz="quarter" idx="5"/>
+          </p:nvPr>
+        </p:nvSpPr>
+        <p:spPr>
+          <a:xfrm>
+            <a:off x="3884613" y="8685213"/>
+            <a:ext cx="2971800" cy="458787"/>
+          </a:xfrm>
+          <a:prstGeom prst="rect">
+            <a:avLst/>
+          </a:prstGeom>
+        </p:spPr>
+        <p:txBody>
+          <a:bodyPr vert="horz" lIns="91440" tIns="45720" rIns="91440" bIns="45720" rtlCol="0" anchor="b"/>
+          <a:lstStyle>
+            <a:lvl1pPr algn="r">
+              <a:defRPr sz="1200"/>
+            </a:lvl1pPr>
+          </a:lstStyle>
+          <a:p>
+            <a:fld id="{634EB1B5-368C-4397-9CF4-AE10CE6D32D6}" type="slidenum">
+              <a:rPr lang="en-GB" smtClean="0"/>
+              <a:t>‹#›</a:t>
+            </a:fld>
+            <a:endParaRPr lang="en-GB"/>
+          </a:p>
+        </p:txBody>
+      </p:sp>
+    </p:spTree>
+    <p:extLst>
+      <p:ext uri="{BB962C8B-B14F-4D97-AF65-F5344CB8AC3E}">
+        <p14:creationId xmlns:p14="http://schemas.microsoft.com/office/powerpoint/2010/main" val="2774915969"/>
+      </p:ext>
+    </p:extLst>
+  </p:cSld>
+  <p:clrMap bg1="lt1" tx1="dk1" bg2="lt2" tx2="dk2" accent1="accent1" accent2="accent2" accent3="accent3" accent4="accent4" accent5="accent5" accent6="accent6" hlink="hlink" folHlink="folHlink"/>
+  <p:notesStyle>
+    <a:lvl1pPr marL="0" algn="l" defTabSz="914400" rtl="0" eaLnBrk="1" latinLnBrk="0" hangingPunct="1">
+      <a:defRPr sz="1200" kern="1200">
+        <a:solidFill>
+          <a:schemeClr val="tx1"/>
+        </a:solidFill>
+        <a:latin typeface="+mn-lt"/>
+        <a:ea typeface="+mn-ea"/>
+        <a:cs typeface="+mn-cs"/>
+      </a:defRPr>
+    </a:lvl1pPr>
+    <a:lvl2pPr marL="457200" algn="l" defTabSz="914400" rtl="0" eaLnBrk="1" latinLnBrk="0" hangingPunct="1">
+      <a:defRPr sz="1200" kern="1200">
+        <a:solidFill>
+          <a:schemeClr val="tx1"/>
+        </a:solidFill>
+        <a:latin typeface="+mn-lt"/>
+        <a:ea typeface="+mn-ea"/>
+        <a:cs typeface="+mn-cs"/>
+      </a:defRPr>
+    </a:lvl2pPr>
+    <a:lvl3pPr marL="914400" algn="l" defTabSz="914400" rtl="0" eaLnBrk="1" latinLnBrk="0" hangingPunct="1">
+      <a:defRPr sz="1200" kern="1200">
+        <a:solidFill>
+          <a:schemeClr val="tx1"/>
+        </a:solidFill>
+        <a:latin typeface="+mn-lt"/>
+        <a:ea typeface="+mn-ea"/>
+        <a:cs typeface="+mn-cs"/>
+      </a:defRPr>
+    </a:lvl3pPr>
+    <a:lvl4pPr marL="1371600" algn="l" defTabSz="914400" rtl="0" eaLnBrk="1" latinLnBrk="0" hangingPunct="1">
+      <a:defRPr sz="1200" kern="1200">
+        <a:solidFill>
+          <a:schemeClr val="tx1"/>
+        </a:solidFill>
+        <a:latin typeface="+mn-lt"/>
+        <a:ea typeface="+mn-ea"/>
+        <a:cs typeface="+mn-cs"/>
+      </a:defRPr>
+    </a:lvl4pPr>
+    <a:lvl5pPr marL="1828800" algn="l" defTabSz="914400" rtl="0" eaLnBrk="1" latinLnBrk="0" hangingPunct="1">
+      <a:defRPr sz="1200" kern="1200">
+        <a:solidFill>
+          <a:schemeClr val="tx1"/>
+        </a:solidFill>
+        <a:latin typeface="+mn-lt"/>
+        <a:ea typeface="+mn-ea"/>
+        <a:cs typeface="+mn-cs"/>
+      </a:defRPr>
+    </a:lvl5pPr>
+    <a:lvl6pPr marL="2286000" algn="l" defTabSz="914400" rtl="0" eaLnBrk="1" latinLnBrk="0" hangingPunct="1">
+      <a:defRPr sz="1200" kern="1200">
+        <a:solidFill>
+          <a:schemeClr val="tx1"/>
+        </a:solidFill>
+        <a:latin typeface="+mn-lt"/>
+        <a:ea typeface="+mn-ea"/>
+        <a:cs typeface="+mn-cs"/>
+      </a:defRPr>
+    </a:lvl6pPr>
+    <a:lvl7pPr marL="2743200" algn="l" defTabSz="914400" rtl="0" eaLnBrk="1" latinLnBrk="0" hangingPunct="1">
+      <a:defRPr sz="1200" kern="1200">
+        <a:solidFill>
+          <a:schemeClr val="tx1"/>
+        </a:solidFill>
+        <a:latin typeface="+mn-lt"/>
+        <a:ea typeface="+mn-ea"/>
+        <a:cs typeface="+mn-cs"/>
+      </a:defRPr>
+    </a:lvl7pPr>
+    <a:lvl8pPr marL="3200400" algn="l" defTabSz="914400" rtl="0" eaLnBrk="1" latinLnBrk="0" hangingPunct="1">
+      <a:defRPr sz="1200" kern="1200">
+        <a:solidFill>
+          <a:schemeClr val="tx1"/>
+        </a:solidFill>
+        <a:latin typeface="+mn-lt"/>
+        <a:ea typeface="+mn-ea"/>
+        <a:cs typeface="+mn-cs"/>
+      </a:defRPr>
+    </a:lvl8pPr>
+    <a:lvl9pPr marL="3657600" algn="l" defTabSz="914400" rtl="0" eaLnBrk="1" latinLnBrk="0" hangingPunct="1">
+      <a:defRPr sz="1200" kern="1200">
+        <a:solidFill>
+          <a:schemeClr val="tx1"/>
+        </a:solidFill>
+        <a:latin typeface="+mn-lt"/>
+        <a:ea typeface="+mn-ea"/>
+        <a:cs typeface="+mn-cs"/>
+      </a:defRPr>
+    </a:lvl9pPr>
+  </p:notesStyle>
+</p:notesMaster>
+</file>
+
+<file path=ppt/notesSlides/notesSlide1.xml><?xml version="1.0" encoding="utf-8"?>
+<p:notes xmlns:a="http://schemas.openxmlformats.org/drawingml/2006/main" xmlns:r="http://schemas.openxmlformats.org/officeDocument/2006/relationships" xmlns:p="http://schemas.openxmlformats.org/presentationml/2006/main">
+  <p:cSld>
+    <p:spTree>
+      <p:nvGrpSpPr>
+        <p:cNvPr id="1" name=""/>
+        <p:cNvGrpSpPr/>
+        <p:nvPr/>
+      </p:nvGrpSpPr>
+      <p:grpSpPr>
+        <a:xfrm>
+          <a:off x="0" y="0"/>
+          <a:ext cx="0" cy="0"/>
+          <a:chOff x="0" y="0"/>
+          <a:chExt cx="0" cy="0"/>
+        </a:xfrm>
+      </p:grpSpPr>
+      <p:sp>
+        <p:nvSpPr>
+          <p:cNvPr id="2" name="Slide Image Placeholder 1"/>
+          <p:cNvSpPr>
+            <a:spLocks noGrp="1" noRot="1" noChangeAspect="1"/>
+          </p:cNvSpPr>
+          <p:nvPr>
+            <p:ph type="sldImg"/>
+          </p:nvPr>
+        </p:nvSpPr>
+        <p:spPr/>
+      </p:sp>
+      <p:sp>
+        <p:nvSpPr>
+          <p:cNvPr id="3" name="Notes Placeholder 2"/>
+          <p:cNvSpPr>
+            <a:spLocks noGrp="1"/>
+          </p:cNvSpPr>
+          <p:nvPr>
+            <p:ph type="body" idx="1"/>
+          </p:nvPr>
+        </p:nvSpPr>
+        <p:spPr/>
+        <p:txBody>
+          <a:bodyPr/>
+          <a:lstStyle/>
+          <a:p>
+            <a:endParaRPr lang="en-GB" dirty="0"/>
+          </a:p>
+        </p:txBody>
+      </p:sp>
+      <p:sp>
+        <p:nvSpPr>
+          <p:cNvPr id="4" name="Slide Number Placeholder 3"/>
+          <p:cNvSpPr>
+            <a:spLocks noGrp="1"/>
+          </p:cNvSpPr>
+          <p:nvPr>
+            <p:ph type="sldNum" sz="quarter" idx="5"/>
+          </p:nvPr>
+        </p:nvSpPr>
+        <p:spPr/>
+        <p:txBody>
+          <a:bodyPr/>
+          <a:lstStyle/>
+          <a:p>
+            <a:fld id="{634EB1B5-368C-4397-9CF4-AE10CE6D32D6}" type="slidenum">
+              <a:rPr lang="en-GB" smtClean="0"/>
+              <a:t>1</a:t>
+            </a:fld>
+            <a:endParaRPr lang="en-GB"/>
+          </a:p>
+        </p:txBody>
+      </p:sp>
+    </p:spTree>
+    <p:extLst>
+      <p:ext uri="{BB962C8B-B14F-4D97-AF65-F5344CB8AC3E}">
+        <p14:creationId xmlns:p14="http://schemas.microsoft.com/office/powerpoint/2010/main" val="3198771078"/>
+      </p:ext>
+    </p:extLst>
+  </p:cSld>
+  <p:clrMapOvr>
+    <a:masterClrMapping/>
+  </p:clrMapOvr>
+</p:notes>
 </file>
 
 <file path=ppt/slideLayouts/slideLayout1.xml><?xml version="1.0" encoding="utf-8"?>
@@ -4150,7 +4592,7 @@
           <p:nvPr/>
         </p:nvPicPr>
         <p:blipFill rotWithShape="1">
-          <a:blip r:embed="rId2">
+          <a:blip r:embed="rId3">
             <a:alphaModFix amt="50000"/>
           </a:blip>
           <a:srcRect r="6187" b="-1"/>
@@ -4158,7 +4600,7 @@
         </p:blipFill>
         <p:spPr>
           <a:xfrm>
-            <a:off x="20" y="2520"/>
+            <a:off x="-67266" y="2520"/>
             <a:ext cx="12191980" cy="6855480"/>
           </a:xfrm>
           <a:prstGeom prst="rect">
@@ -4184,7 +4626,7 @@
         </p:nvSpPr>
         <p:spPr>
           <a:xfrm>
-            <a:off x="1476783" y="1507311"/>
+            <a:off x="1249264" y="1515523"/>
             <a:ext cx="9238434" cy="857559"/>
           </a:xfrm>
         </p:spPr>
@@ -4275,13 +4717,13 @@
         </p:nvSpPr>
         <p:spPr>
           <a:xfrm>
-            <a:off x="67287" y="0"/>
-            <a:ext cx="1677538" cy="494522"/>
+            <a:off x="67286" y="0"/>
+            <a:ext cx="3418297" cy="494522"/>
           </a:xfrm>
         </p:spPr>
         <p:txBody>
           <a:bodyPr vert="horz" lIns="91440" tIns="45720" rIns="91440" bIns="45720" rtlCol="0">
-            <a:normAutofit/>
+            <a:normAutofit fontScale="70000" lnSpcReduction="20000"/>
           </a:bodyPr>
           <a:lstStyle/>
           <a:p>
@@ -4291,7 +4733,429 @@
                   <a:srgbClr val="FFFFFF"/>
                 </a:solidFill>
               </a:rPr>
-              <a:t>Filip Rusiecki</a:t>
+              <a:t>Filip Rusiecki – Student number: C00250721</a:t>
+            </a:r>
+          </a:p>
+        </p:txBody>
+      </p:sp>
+      <p:pic>
+        <p:nvPicPr>
+          <p:cNvPr id="7" name="Picture 6" descr="A qr code with black squares&#10;&#10;Description automatically generated with low confidence">
+            <a:extLst>
+              <a:ext uri="{FF2B5EF4-FFF2-40B4-BE49-F238E27FC236}">
+                <a16:creationId xmlns:a16="http://schemas.microsoft.com/office/drawing/2014/main" id="{8B5A627E-5598-92AE-DA39-C703ED6DBB67}"/>
+              </a:ext>
+            </a:extLst>
+          </p:cNvPr>
+          <p:cNvPicPr>
+            <a:picLocks noChangeAspect="1"/>
+          </p:cNvPicPr>
+          <p:nvPr/>
+        </p:nvPicPr>
+        <p:blipFill>
+          <a:blip r:embed="rId4">
+            <a:extLst>
+              <a:ext uri="{28A0092B-C50C-407E-A947-70E740481C1C}">
+                <a14:useLocalDpi xmlns:a14="http://schemas.microsoft.com/office/drawing/2010/main" val="0"/>
+              </a:ext>
+            </a:extLst>
+          </a:blip>
+          <a:stretch>
+            <a:fillRect/>
+          </a:stretch>
+        </p:blipFill>
+        <p:spPr>
+          <a:xfrm>
+            <a:off x="9853801" y="177927"/>
+            <a:ext cx="1434686" cy="1434686"/>
+          </a:xfrm>
+          <a:prstGeom prst="rect">
+            <a:avLst/>
+          </a:prstGeom>
+        </p:spPr>
+      </p:pic>
+      <p:sp>
+        <p:nvSpPr>
+          <p:cNvPr id="8" name="TextBox 7">
+            <a:extLst>
+              <a:ext uri="{FF2B5EF4-FFF2-40B4-BE49-F238E27FC236}">
+                <a16:creationId xmlns:a16="http://schemas.microsoft.com/office/drawing/2014/main" id="{EF049EE2-486D-C00D-D0F4-4F6F4B3C5433}"/>
+              </a:ext>
+            </a:extLst>
+          </p:cNvPr>
+          <p:cNvSpPr txBox="1"/>
+          <p:nvPr/>
+        </p:nvSpPr>
+        <p:spPr>
+          <a:xfrm>
+            <a:off x="8679892" y="984252"/>
+            <a:ext cx="2043404" cy="369332"/>
+          </a:xfrm>
+          <a:prstGeom prst="rect">
+            <a:avLst/>
+          </a:prstGeom>
+          <a:noFill/>
+        </p:spPr>
+        <p:txBody>
+          <a:bodyPr wrap="square" rtlCol="0">
+            <a:spAutoFit/>
+          </a:bodyPr>
+          <a:lstStyle/>
+          <a:p>
+            <a:r>
+              <a:rPr lang="en-GB" dirty="0"/>
+              <a:t>LinkedIn:</a:t>
+            </a:r>
+          </a:p>
+        </p:txBody>
+      </p:sp>
+      <p:pic>
+        <p:nvPicPr>
+          <p:cNvPr id="10" name="Picture 9" descr="A blue circle with white text and a black background&#10;&#10;Description automatically generated with low confidence">
+            <a:extLst>
+              <a:ext uri="{FF2B5EF4-FFF2-40B4-BE49-F238E27FC236}">
+                <a16:creationId xmlns:a16="http://schemas.microsoft.com/office/drawing/2014/main" id="{A8D73D14-0232-C546-B01C-C11CD7D6CC4F}"/>
+              </a:ext>
+            </a:extLst>
+          </p:cNvPr>
+          <p:cNvPicPr>
+            <a:picLocks noChangeAspect="1"/>
+          </p:cNvPicPr>
+          <p:nvPr/>
+        </p:nvPicPr>
+        <p:blipFill>
+          <a:blip r:embed="rId5">
+            <a:extLst>
+              <a:ext uri="{28A0092B-C50C-407E-A947-70E740481C1C}">
+                <a14:useLocalDpi xmlns:a14="http://schemas.microsoft.com/office/drawing/2010/main" val="0"/>
+              </a:ext>
+            </a:extLst>
+          </a:blip>
+          <a:stretch>
+            <a:fillRect/>
+          </a:stretch>
+        </p:blipFill>
+        <p:spPr>
+          <a:xfrm>
+            <a:off x="8940575" y="407285"/>
+            <a:ext cx="608811" cy="608811"/>
+          </a:xfrm>
+          <a:prstGeom prst="rect">
+            <a:avLst/>
+          </a:prstGeom>
+        </p:spPr>
+      </p:pic>
+      <p:sp>
+        <p:nvSpPr>
+          <p:cNvPr id="16" name="TextBox 15">
+            <a:extLst>
+              <a:ext uri="{FF2B5EF4-FFF2-40B4-BE49-F238E27FC236}">
+                <a16:creationId xmlns:a16="http://schemas.microsoft.com/office/drawing/2014/main" id="{20A68AB1-1C36-961F-7E01-FF30F3A0A8B3}"/>
+              </a:ext>
+            </a:extLst>
+          </p:cNvPr>
+          <p:cNvSpPr txBox="1"/>
+          <p:nvPr/>
+        </p:nvSpPr>
+        <p:spPr>
+          <a:xfrm>
+            <a:off x="5923555" y="1074633"/>
+            <a:ext cx="2043404" cy="369332"/>
+          </a:xfrm>
+          <a:prstGeom prst="rect">
+            <a:avLst/>
+          </a:prstGeom>
+          <a:noFill/>
+        </p:spPr>
+        <p:txBody>
+          <a:bodyPr wrap="square" rtlCol="0">
+            <a:spAutoFit/>
+          </a:bodyPr>
+          <a:lstStyle/>
+          <a:p>
+            <a:r>
+              <a:rPr lang="en-GB" dirty="0"/>
+              <a:t>Portfolio:</a:t>
+            </a:r>
+          </a:p>
+        </p:txBody>
+      </p:sp>
+      <p:pic>
+        <p:nvPicPr>
+          <p:cNvPr id="18" name="Picture 17" descr="A black cat in a circle&#10;&#10;Description automatically generated with low confidence">
+            <a:extLst>
+              <a:ext uri="{FF2B5EF4-FFF2-40B4-BE49-F238E27FC236}">
+                <a16:creationId xmlns:a16="http://schemas.microsoft.com/office/drawing/2014/main" id="{CF6F93AE-CD07-DBC0-D52E-33535440E2B4}"/>
+              </a:ext>
+            </a:extLst>
+          </p:cNvPr>
+          <p:cNvPicPr>
+            <a:picLocks noChangeAspect="1"/>
+          </p:cNvPicPr>
+          <p:nvPr/>
+        </p:nvPicPr>
+        <p:blipFill>
+          <a:blip r:embed="rId6">
+            <a:extLst>
+              <a:ext uri="{28A0092B-C50C-407E-A947-70E740481C1C}">
+                <a14:useLocalDpi xmlns:a14="http://schemas.microsoft.com/office/drawing/2010/main" val="0"/>
+              </a:ext>
+            </a:extLst>
+          </a:blip>
+          <a:stretch>
+            <a:fillRect/>
+          </a:stretch>
+        </p:blipFill>
+        <p:spPr>
+          <a:xfrm>
+            <a:off x="5868481" y="177927"/>
+            <a:ext cx="1178521" cy="1178521"/>
+          </a:xfrm>
+          <a:prstGeom prst="rect">
+            <a:avLst/>
+          </a:prstGeom>
+        </p:spPr>
+      </p:pic>
+      <p:pic>
+        <p:nvPicPr>
+          <p:cNvPr id="20" name="Picture 19" descr="A qr code with black squares&#10;&#10;Description automatically generated with low confidence">
+            <a:extLst>
+              <a:ext uri="{FF2B5EF4-FFF2-40B4-BE49-F238E27FC236}">
+                <a16:creationId xmlns:a16="http://schemas.microsoft.com/office/drawing/2014/main" id="{F6916557-0763-C269-4F79-D4EEC395E486}"/>
+              </a:ext>
+            </a:extLst>
+          </p:cNvPr>
+          <p:cNvPicPr>
+            <a:picLocks noChangeAspect="1"/>
+          </p:cNvPicPr>
+          <p:nvPr/>
+        </p:nvPicPr>
+        <p:blipFill>
+          <a:blip r:embed="rId7">
+            <a:extLst>
+              <a:ext uri="{28A0092B-C50C-407E-A947-70E740481C1C}">
+                <a14:useLocalDpi xmlns:a14="http://schemas.microsoft.com/office/drawing/2010/main" val="0"/>
+              </a:ext>
+            </a:extLst>
+          </a:blip>
+          <a:stretch>
+            <a:fillRect/>
+          </a:stretch>
+        </p:blipFill>
+        <p:spPr>
+          <a:xfrm>
+            <a:off x="7036795" y="184251"/>
+            <a:ext cx="1438370" cy="1438370"/>
+          </a:xfrm>
+          <a:prstGeom prst="rect">
+            <a:avLst/>
+          </a:prstGeom>
+        </p:spPr>
+      </p:pic>
+      <p:sp>
+        <p:nvSpPr>
+          <p:cNvPr id="21" name="TextBox 20">
+            <a:extLst>
+              <a:ext uri="{FF2B5EF4-FFF2-40B4-BE49-F238E27FC236}">
+                <a16:creationId xmlns:a16="http://schemas.microsoft.com/office/drawing/2014/main" id="{42BBB157-DAB2-9D73-973C-4F0D38C60797}"/>
+              </a:ext>
+            </a:extLst>
+          </p:cNvPr>
+          <p:cNvSpPr txBox="1"/>
+          <p:nvPr/>
+        </p:nvSpPr>
+        <p:spPr>
+          <a:xfrm>
+            <a:off x="1267485" y="2286000"/>
+            <a:ext cx="10538234" cy="2308324"/>
+          </a:xfrm>
+          <a:prstGeom prst="rect">
+            <a:avLst/>
+          </a:prstGeom>
+          <a:noFill/>
+        </p:spPr>
+        <p:txBody>
+          <a:bodyPr wrap="square" rtlCol="0">
+            <a:spAutoFit/>
+          </a:bodyPr>
+          <a:lstStyle/>
+          <a:p>
+            <a:r>
+              <a:rPr lang="en-GB" b="0" i="0" dirty="0">
+                <a:effectLst/>
+                <a:latin typeface="Raleway" panose="020B0604020202020204" pitchFamily="2" charset="0"/>
+              </a:rPr>
+              <a:t>A </a:t>
+            </a:r>
+            <a:r>
+              <a:rPr lang="en-GB" b="0" i="0" dirty="0" err="1">
+                <a:effectLst/>
+                <a:latin typeface="Raleway" panose="020B0604020202020204" pitchFamily="2" charset="0"/>
+              </a:rPr>
+              <a:t>Muliplayer</a:t>
+            </a:r>
+            <a:r>
+              <a:rPr lang="en-GB" b="0" i="0" dirty="0">
+                <a:effectLst/>
+                <a:latin typeface="Raleway" panose="020B0604020202020204" pitchFamily="2" charset="0"/>
+              </a:rPr>
+              <a:t> survival-based game in VR.</a:t>
+            </a:r>
+            <a:br>
+              <a:rPr lang="en-GB" dirty="0"/>
+            </a:br>
+            <a:r>
+              <a:rPr lang="en-GB" b="0" i="0" dirty="0">
+                <a:effectLst/>
+                <a:latin typeface="Raleway" panose="020B0604020202020204" pitchFamily="2" charset="0"/>
+              </a:rPr>
+              <a:t>Players goal would be to survive and fight other players as well as surviving the cold weather in a large scale environment which has different locations.</a:t>
+            </a:r>
+            <a:br>
+              <a:rPr lang="en-GB" dirty="0"/>
+            </a:br>
+            <a:r>
+              <a:rPr lang="en-GB" b="0" i="0" dirty="0">
+                <a:effectLst/>
+                <a:latin typeface="Raleway" panose="020B0604020202020204" pitchFamily="2" charset="0"/>
+              </a:rPr>
+              <a:t>While players scavenge the land they will encounter parts for a buildable plane that they can make and then fly with it. While progressing through the game players would face challenges such as monsters, cold extreme weathers and also other players, the game also has a day and night cycle</a:t>
+            </a:r>
+            <a:br>
+              <a:rPr lang="en-GB" dirty="0"/>
+            </a:br>
+            <a:r>
+              <a:rPr lang="en-GB" b="0" i="0" dirty="0">
+                <a:effectLst/>
+                <a:latin typeface="Raleway" panose="020B0604020202020204" pitchFamily="2" charset="0"/>
+              </a:rPr>
+              <a:t>Players would have to find shelter (set up a base to be safe from the creatures).</a:t>
+            </a:r>
+            <a:endParaRPr lang="en-GB" dirty="0"/>
+          </a:p>
+        </p:txBody>
+      </p:sp>
+      <p:pic>
+        <p:nvPicPr>
+          <p:cNvPr id="23" name="Picture 22">
+            <a:extLst>
+              <a:ext uri="{FF2B5EF4-FFF2-40B4-BE49-F238E27FC236}">
+                <a16:creationId xmlns:a16="http://schemas.microsoft.com/office/drawing/2014/main" id="{3A252115-3DC8-2A93-163B-8BFBA3DD6FDF}"/>
+              </a:ext>
+            </a:extLst>
+          </p:cNvPr>
+          <p:cNvPicPr>
+            <a:picLocks noChangeAspect="1"/>
+          </p:cNvPicPr>
+          <p:nvPr/>
+        </p:nvPicPr>
+        <p:blipFill>
+          <a:blip r:embed="rId8"/>
+          <a:stretch>
+            <a:fillRect/>
+          </a:stretch>
+        </p:blipFill>
+        <p:spPr>
+          <a:xfrm>
+            <a:off x="170766" y="4656562"/>
+            <a:ext cx="3677621" cy="2024345"/>
+          </a:xfrm>
+          <a:prstGeom prst="rect">
+            <a:avLst/>
+          </a:prstGeom>
+        </p:spPr>
+      </p:pic>
+      <p:pic>
+        <p:nvPicPr>
+          <p:cNvPr id="25" name="Picture 24">
+            <a:extLst>
+              <a:ext uri="{FF2B5EF4-FFF2-40B4-BE49-F238E27FC236}">
+                <a16:creationId xmlns:a16="http://schemas.microsoft.com/office/drawing/2014/main" id="{D6F45EFB-CC6C-FD90-255B-1FC4F811AE7F}"/>
+              </a:ext>
+            </a:extLst>
+          </p:cNvPr>
+          <p:cNvPicPr>
+            <a:picLocks noChangeAspect="1"/>
+          </p:cNvPicPr>
+          <p:nvPr/>
+        </p:nvPicPr>
+        <p:blipFill>
+          <a:blip r:embed="rId9"/>
+          <a:stretch>
+            <a:fillRect/>
+          </a:stretch>
+        </p:blipFill>
+        <p:spPr>
+          <a:xfrm>
+            <a:off x="4019133" y="4656561"/>
+            <a:ext cx="3758644" cy="2017187"/>
+          </a:xfrm>
+          <a:prstGeom prst="rect">
+            <a:avLst/>
+          </a:prstGeom>
+        </p:spPr>
+      </p:pic>
+      <p:pic>
+        <p:nvPicPr>
+          <p:cNvPr id="27" name="Picture 26">
+            <a:extLst>
+              <a:ext uri="{FF2B5EF4-FFF2-40B4-BE49-F238E27FC236}">
+                <a16:creationId xmlns:a16="http://schemas.microsoft.com/office/drawing/2014/main" id="{28BF0B8C-B075-DF41-24F3-E28ABA3AD1D4}"/>
+              </a:ext>
+            </a:extLst>
+          </p:cNvPr>
+          <p:cNvPicPr>
+            <a:picLocks noChangeAspect="1"/>
+          </p:cNvPicPr>
+          <p:nvPr/>
+        </p:nvPicPr>
+        <p:blipFill>
+          <a:blip r:embed="rId10"/>
+          <a:stretch>
+            <a:fillRect/>
+          </a:stretch>
+        </p:blipFill>
+        <p:spPr>
+          <a:xfrm>
+            <a:off x="7935835" y="4652554"/>
+            <a:ext cx="3972497" cy="2017187"/>
+          </a:xfrm>
+          <a:prstGeom prst="rect">
+            <a:avLst/>
+          </a:prstGeom>
+        </p:spPr>
+      </p:pic>
+      <p:sp>
+        <p:nvSpPr>
+          <p:cNvPr id="4" name="TextBox 3">
+            <a:extLst>
+              <a:ext uri="{FF2B5EF4-FFF2-40B4-BE49-F238E27FC236}">
+                <a16:creationId xmlns:a16="http://schemas.microsoft.com/office/drawing/2014/main" id="{A950BD32-209D-0106-5A3D-ED0307868514}"/>
+              </a:ext>
+            </a:extLst>
+          </p:cNvPr>
+          <p:cNvSpPr txBox="1"/>
+          <p:nvPr/>
+        </p:nvSpPr>
+        <p:spPr>
+          <a:xfrm>
+            <a:off x="215553" y="190654"/>
+            <a:ext cx="3115620" cy="261610"/>
+          </a:xfrm>
+          <a:prstGeom prst="rect">
+            <a:avLst/>
+          </a:prstGeom>
+          <a:noFill/>
+        </p:spPr>
+        <p:txBody>
+          <a:bodyPr wrap="square" rtlCol="0">
+            <a:spAutoFit/>
+          </a:bodyPr>
+          <a:lstStyle/>
+          <a:p>
+            <a:r>
+              <a:rPr lang="en-GB" sz="1100" dirty="0"/>
+              <a:t>(All images and background captured in game) </a:t>
             </a:r>
           </a:p>
         </p:txBody>
@@ -4508,4 +5372,299 @@
     </a:ext>
   </a:extLst>
 </a:theme>
+</file>
+
+<file path=ppt/theme/theme2.xml><?xml version="1.0" encoding="utf-8"?>
+<a:theme xmlns:a="http://schemas.openxmlformats.org/drawingml/2006/main" name="Office Theme">
+  <a:themeElements>
+    <a:clrScheme name="Office">
+      <a:dk1>
+        <a:sysClr val="windowText" lastClr="000000"/>
+      </a:dk1>
+      <a:lt1>
+        <a:sysClr val="window" lastClr="FFFFFF"/>
+      </a:lt1>
+      <a:dk2>
+        <a:srgbClr val="44546A"/>
+      </a:dk2>
+      <a:lt2>
+        <a:srgbClr val="E7E6E6"/>
+      </a:lt2>
+      <a:accent1>
+        <a:srgbClr val="4472C4"/>
+      </a:accent1>
+      <a:accent2>
+        <a:srgbClr val="ED7D31"/>
+      </a:accent2>
+      <a:accent3>
+        <a:srgbClr val="A5A5A5"/>
+      </a:accent3>
+      <a:accent4>
+        <a:srgbClr val="FFC000"/>
+      </a:accent4>
+      <a:accent5>
+        <a:srgbClr val="5B9BD5"/>
+      </a:accent5>
+      <a:accent6>
+        <a:srgbClr val="70AD47"/>
+      </a:accent6>
+      <a:hlink>
+        <a:srgbClr val="0563C1"/>
+      </a:hlink>
+      <a:folHlink>
+        <a:srgbClr val="954F72"/>
+      </a:folHlink>
+    </a:clrScheme>
+    <a:fontScheme name="Office">
+      <a:majorFont>
+        <a:latin typeface="Calibri Light" panose="020F0302020204030204"/>
+        <a:ea typeface=""/>
+        <a:cs typeface=""/>
+        <a:font script="Jpan" typeface="游ゴシック Light"/>
+        <a:font script="Hang" typeface="맑은 고딕"/>
+        <a:font script="Hans" typeface="等线 Light"/>
+        <a:font script="Hant" typeface="新細明體"/>
+        <a:font script="Arab" typeface="Times New Roman"/>
+        <a:font script="Hebr" typeface="Times New Roman"/>
+        <a:font script="Thai" typeface="Angsana New"/>
+        <a:font script="Ethi" typeface="Nyala"/>
+        <a:font script="Beng" typeface="Vrinda"/>
+        <a:font script="Gujr" typeface="Shruti"/>
+        <a:font script="Khmr" typeface="MoolBoran"/>
+        <a:font script="Knda" typeface="Tunga"/>
+        <a:font script="Guru" typeface="Raavi"/>
+        <a:font script="Cans" typeface="Euphemia"/>
+        <a:font script="Cher" typeface="Plantagenet Cherokee"/>
+        <a:font script="Yiii" typeface="Microsoft Yi Baiti"/>
+        <a:font script="Tibt" typeface="Microsoft Himalaya"/>
+        <a:font script="Thaa" typeface="MV Boli"/>
+        <a:font script="Deva" typeface="Mangal"/>
+        <a:font script="Telu" typeface="Gautami"/>
+        <a:font script="Taml" typeface="Latha"/>
+        <a:font script="Syrc" typeface="Estrangelo Edessa"/>
+        <a:font script="Orya" typeface="Kalinga"/>
+        <a:font script="Mlym" typeface="Kartika"/>
+        <a:font script="Laoo" typeface="DokChampa"/>
+        <a:font script="Sinh" typeface="Iskoola Pota"/>
+        <a:font script="Mong" typeface="Mongolian Baiti"/>
+        <a:font script="Viet" typeface="Times New Roman"/>
+        <a:font script="Uigh" typeface="Microsoft Uighur"/>
+        <a:font script="Geor" typeface="Sylfaen"/>
+        <a:font script="Armn" typeface="Arial"/>
+        <a:font script="Bugi" typeface="Leelawadee UI"/>
+        <a:font script="Bopo" typeface="Microsoft JhengHei"/>
+        <a:font script="Java" typeface="Javanese Text"/>
+        <a:font script="Lisu" typeface="Segoe UI"/>
+        <a:font script="Mymr" typeface="Myanmar Text"/>
+        <a:font script="Nkoo" typeface="Ebrima"/>
+        <a:font script="Olck" typeface="Nirmala UI"/>
+        <a:font script="Osma" typeface="Ebrima"/>
+        <a:font script="Phag" typeface="Phagspa"/>
+        <a:font script="Syrn" typeface="Estrangelo Edessa"/>
+        <a:font script="Syrj" typeface="Estrangelo Edessa"/>
+        <a:font script="Syre" typeface="Estrangelo Edessa"/>
+        <a:font script="Sora" typeface="Nirmala UI"/>
+        <a:font script="Tale" typeface="Microsoft Tai Le"/>
+        <a:font script="Talu" typeface="Microsoft New Tai Lue"/>
+        <a:font script="Tfng" typeface="Ebrima"/>
+      </a:majorFont>
+      <a:minorFont>
+        <a:latin typeface="Calibri" panose="020F0502020204030204"/>
+        <a:ea typeface=""/>
+        <a:cs typeface=""/>
+        <a:font script="Jpan" typeface="游ゴシック"/>
+        <a:font script="Hang" typeface="맑은 고딕"/>
+        <a:font script="Hans" typeface="等线"/>
+        <a:font script="Hant" typeface="新細明體"/>
+        <a:font script="Arab" typeface="Arial"/>
+        <a:font script="Hebr" typeface="Arial"/>
+        <a:font script="Thai" typeface="Cordia New"/>
+        <a:font script="Ethi" typeface="Nyala"/>
+        <a:font script="Beng" typeface="Vrinda"/>
+        <a:font script="Gujr" typeface="Shruti"/>
+        <a:font script="Khmr" typeface="DaunPenh"/>
+        <a:font script="Knda" typeface="Tunga"/>
+        <a:font script="Guru" typeface="Raavi"/>
+        <a:font script="Cans" typeface="Euphemia"/>
+        <a:font script="Cher" typeface="Plantagenet Cherokee"/>
+        <a:font script="Yiii" typeface="Microsoft Yi Baiti"/>
+        <a:font script="Tibt" typeface="Microsoft Himalaya"/>
+        <a:font script="Thaa" typeface="MV Boli"/>
+        <a:font script="Deva" typeface="Mangal"/>
+        <a:font script="Telu" typeface="Gautami"/>
+        <a:font script="Taml" typeface="Latha"/>
+        <a:font script="Syrc" typeface="Estrangelo Edessa"/>
+        <a:font script="Orya" typeface="Kalinga"/>
+        <a:font script="Mlym" typeface="Kartika"/>
+        <a:font script="Laoo" typeface="DokChampa"/>
+        <a:font script="Sinh" typeface="Iskoola Pota"/>
+        <a:font script="Mong" typeface="Mongolian Baiti"/>
+        <a:font script="Viet" typeface="Arial"/>
+        <a:font script="Uigh" typeface="Microsoft Uighur"/>
+        <a:font script="Geor" typeface="Sylfaen"/>
+        <a:font script="Armn" typeface="Arial"/>
+        <a:font script="Bugi" typeface="Leelawadee UI"/>
+        <a:font script="Bopo" typeface="Microsoft JhengHei"/>
+        <a:font script="Java" typeface="Javanese Text"/>
+        <a:font script="Lisu" typeface="Segoe UI"/>
+        <a:font script="Mymr" typeface="Myanmar Text"/>
+        <a:font script="Nkoo" typeface="Ebrima"/>
+        <a:font script="Olck" typeface="Nirmala UI"/>
+        <a:font script="Osma" typeface="Ebrima"/>
+        <a:font script="Phag" typeface="Phagspa"/>
+        <a:font script="Syrn" typeface="Estrangelo Edessa"/>
+        <a:font script="Syrj" typeface="Estrangelo Edessa"/>
+        <a:font script="Syre" typeface="Estrangelo Edessa"/>
+        <a:font script="Sora" typeface="Nirmala UI"/>
+        <a:font script="Tale" typeface="Microsoft Tai Le"/>
+        <a:font script="Talu" typeface="Microsoft New Tai Lue"/>
+        <a:font script="Tfng" typeface="Ebrima"/>
+      </a:minorFont>
+    </a:fontScheme>
+    <a:fmtScheme name="Office">
+      <a:fillStyleLst>
+        <a:solidFill>
+          <a:schemeClr val="phClr"/>
+        </a:solidFill>
+        <a:gradFill rotWithShape="1">
+          <a:gsLst>
+            <a:gs pos="0">
+              <a:schemeClr val="phClr">
+                <a:lumMod val="110000"/>
+                <a:satMod val="105000"/>
+                <a:tint val="67000"/>
+              </a:schemeClr>
+            </a:gs>
+            <a:gs pos="50000">
+              <a:schemeClr val="phClr">
+                <a:lumMod val="105000"/>
+                <a:satMod val="103000"/>
+                <a:tint val="73000"/>
+              </a:schemeClr>
+            </a:gs>
+            <a:gs pos="100000">
+              <a:schemeClr val="phClr">
+                <a:lumMod val="105000"/>
+                <a:satMod val="109000"/>
+                <a:tint val="81000"/>
+              </a:schemeClr>
+            </a:gs>
+          </a:gsLst>
+          <a:lin ang="5400000" scaled="0"/>
+        </a:gradFill>
+        <a:gradFill rotWithShape="1">
+          <a:gsLst>
+            <a:gs pos="0">
+              <a:schemeClr val="phClr">
+                <a:satMod val="103000"/>
+                <a:lumMod val="102000"/>
+                <a:tint val="94000"/>
+              </a:schemeClr>
+            </a:gs>
+            <a:gs pos="50000">
+              <a:schemeClr val="phClr">
+                <a:satMod val="110000"/>
+                <a:lumMod val="100000"/>
+                <a:shade val="100000"/>
+              </a:schemeClr>
+            </a:gs>
+            <a:gs pos="100000">
+              <a:schemeClr val="phClr">
+                <a:lumMod val="99000"/>
+                <a:satMod val="120000"/>
+                <a:shade val="78000"/>
+              </a:schemeClr>
+            </a:gs>
+          </a:gsLst>
+          <a:lin ang="5400000" scaled="0"/>
+        </a:gradFill>
+      </a:fillStyleLst>
+      <a:lnStyleLst>
+        <a:ln w="6350" cap="flat" cmpd="sng" algn="ctr">
+          <a:solidFill>
+            <a:schemeClr val="phClr"/>
+          </a:solidFill>
+          <a:prstDash val="solid"/>
+          <a:miter lim="800000"/>
+        </a:ln>
+        <a:ln w="12700" cap="flat" cmpd="sng" algn="ctr">
+          <a:solidFill>
+            <a:schemeClr val="phClr"/>
+          </a:solidFill>
+          <a:prstDash val="solid"/>
+          <a:miter lim="800000"/>
+        </a:ln>
+        <a:ln w="19050" cap="flat" cmpd="sng" algn="ctr">
+          <a:solidFill>
+            <a:schemeClr val="phClr"/>
+          </a:solidFill>
+          <a:prstDash val="solid"/>
+          <a:miter lim="800000"/>
+        </a:ln>
+      </a:lnStyleLst>
+      <a:effectStyleLst>
+        <a:effectStyle>
+          <a:effectLst/>
+        </a:effectStyle>
+        <a:effectStyle>
+          <a:effectLst/>
+        </a:effectStyle>
+        <a:effectStyle>
+          <a:effectLst>
+            <a:outerShdw blurRad="57150" dist="19050" dir="5400000" algn="ctr" rotWithShape="0">
+              <a:srgbClr val="000000">
+                <a:alpha val="63000"/>
+              </a:srgbClr>
+            </a:outerShdw>
+          </a:effectLst>
+        </a:effectStyle>
+      </a:effectStyleLst>
+      <a:bgFillStyleLst>
+        <a:solidFill>
+          <a:schemeClr val="phClr"/>
+        </a:solidFill>
+        <a:solidFill>
+          <a:schemeClr val="phClr">
+            <a:tint val="95000"/>
+            <a:satMod val="170000"/>
+          </a:schemeClr>
+        </a:solidFill>
+        <a:gradFill rotWithShape="1">
+          <a:gsLst>
+            <a:gs pos="0">
+              <a:schemeClr val="phClr">
+                <a:tint val="93000"/>
+                <a:satMod val="150000"/>
+                <a:shade val="98000"/>
+                <a:lumMod val="102000"/>
+              </a:schemeClr>
+            </a:gs>
+            <a:gs pos="50000">
+              <a:schemeClr val="phClr">
+                <a:tint val="98000"/>
+                <a:satMod val="130000"/>
+                <a:shade val="90000"/>
+                <a:lumMod val="103000"/>
+              </a:schemeClr>
+            </a:gs>
+            <a:gs pos="100000">
+              <a:schemeClr val="phClr">
+                <a:shade val="63000"/>
+                <a:satMod val="120000"/>
+              </a:schemeClr>
+            </a:gs>
+          </a:gsLst>
+          <a:lin ang="5400000" scaled="0"/>
+        </a:gradFill>
+      </a:bgFillStyleLst>
+    </a:fmtScheme>
+  </a:themeElements>
+  <a:objectDefaults/>
+  <a:extraClrSchemeLst/>
+  <a:extLst>
+    <a:ext uri="{05A4C25C-085E-4340-85A3-A5531E510DB2}">
+      <thm15:themeFamily xmlns:thm15="http://schemas.microsoft.com/office/thememl/2012/main" name="Office Theme" id="{62F939B6-93AF-4DB8-9C6B-D6C7DFDC589F}" vid="{4A3C46E8-61CC-4603-A589-7422A47A8E4A}"/>
+    </a:ext>
+  </a:extLst>
+</a:theme>
 </file>